--- a/01-DataStructureTemplete/DataStructureAssets.pptx
+++ b/01-DataStructureTemplete/DataStructureAssets.pptx
@@ -2,11 +2,12 @@
 <file path=ppt/presentation.xml><?xml version="1.0" encoding="utf-8"?>
 <p:presentation xmlns:a="http://schemas.openxmlformats.org/drawingml/2006/main" xmlns:r="http://schemas.openxmlformats.org/officeDocument/2006/relationships" xmlns:p="http://schemas.openxmlformats.org/presentationml/2006/main" saveSubsetFonts="1">
   <p:sldMasterIdLst>
-    <p:sldMasterId id="2147483648" r:id="rId3"/>
+    <p:sldMasterId id="2147483648" r:id="rId4"/>
   </p:sldMasterIdLst>
   <p:sldIdLst>
-    <p:sldId id="256" r:id="rId4"/>
-    <p:sldId id="257" r:id="rId5"/>
+    <p:sldId id="256" r:id="rId5"/>
+    <p:sldId id="257" r:id="rId6"/>
+    <p:sldId id="258" r:id="rId7"/>
   </p:sldIdLst>
   <p:sldSz cx="12192000" cy="6858000"/>
   <p:notesSz cx="6858000" cy="9144000"/>
@@ -116,6 +117,7 @@
         <p14:section name="Backgrounds" id="{7D192AF3-8FC1-46A0-A740-A65073B9259F}">
           <p14:sldIdLst>
             <p14:sldId id="257"/>
+            <p14:sldId id="258"/>
           </p14:sldIdLst>
         </p14:section>
       </p14:sectionLst>
@@ -258,7 +260,7 @@
           <a:p>
             <a:fld id="{2E16BDF8-367C-4173-B9D0-F9C4F11D43DD}" type="datetimeFigureOut">
               <a:rPr lang="zh-CN" altLang="en-US" smtClean="0"/>
-              <a:t>2015/4/24</a:t>
+              <a:t>2015/5/1</a:t>
             </a:fld>
             <a:endParaRPr lang="zh-CN" altLang="en-US"/>
           </a:p>
@@ -428,7 +430,7 @@
           <a:p>
             <a:fld id="{2E16BDF8-367C-4173-B9D0-F9C4F11D43DD}" type="datetimeFigureOut">
               <a:rPr lang="zh-CN" altLang="en-US" smtClean="0"/>
-              <a:t>2015/4/24</a:t>
+              <a:t>2015/5/1</a:t>
             </a:fld>
             <a:endParaRPr lang="zh-CN" altLang="en-US"/>
           </a:p>
@@ -608,7 +610,7 @@
           <a:p>
             <a:fld id="{2E16BDF8-367C-4173-B9D0-F9C4F11D43DD}" type="datetimeFigureOut">
               <a:rPr lang="zh-CN" altLang="en-US" smtClean="0"/>
-              <a:t>2015/4/24</a:t>
+              <a:t>2015/5/1</a:t>
             </a:fld>
             <a:endParaRPr lang="zh-CN" altLang="en-US"/>
           </a:p>
@@ -778,7 +780,7 @@
           <a:p>
             <a:fld id="{2E16BDF8-367C-4173-B9D0-F9C4F11D43DD}" type="datetimeFigureOut">
               <a:rPr lang="zh-CN" altLang="en-US" smtClean="0"/>
-              <a:t>2015/4/24</a:t>
+              <a:t>2015/5/1</a:t>
             </a:fld>
             <a:endParaRPr lang="zh-CN" altLang="en-US"/>
           </a:p>
@@ -1024,7 +1026,7 @@
           <a:p>
             <a:fld id="{2E16BDF8-367C-4173-B9D0-F9C4F11D43DD}" type="datetimeFigureOut">
               <a:rPr lang="zh-CN" altLang="en-US" smtClean="0"/>
-              <a:t>2015/4/24</a:t>
+              <a:t>2015/5/1</a:t>
             </a:fld>
             <a:endParaRPr lang="zh-CN" altLang="en-US"/>
           </a:p>
@@ -1256,7 +1258,7 @@
           <a:p>
             <a:fld id="{2E16BDF8-367C-4173-B9D0-F9C4F11D43DD}" type="datetimeFigureOut">
               <a:rPr lang="zh-CN" altLang="en-US" smtClean="0"/>
-              <a:t>2015/4/24</a:t>
+              <a:t>2015/5/1</a:t>
             </a:fld>
             <a:endParaRPr lang="zh-CN" altLang="en-US"/>
           </a:p>
@@ -1623,7 +1625,7 @@
           <a:p>
             <a:fld id="{2E16BDF8-367C-4173-B9D0-F9C4F11D43DD}" type="datetimeFigureOut">
               <a:rPr lang="zh-CN" altLang="en-US" smtClean="0"/>
-              <a:t>2015/4/24</a:t>
+              <a:t>2015/5/1</a:t>
             </a:fld>
             <a:endParaRPr lang="zh-CN" altLang="en-US"/>
           </a:p>
@@ -1741,7 +1743,7 @@
           <a:p>
             <a:fld id="{2E16BDF8-367C-4173-B9D0-F9C4F11D43DD}" type="datetimeFigureOut">
               <a:rPr lang="zh-CN" altLang="en-US" smtClean="0"/>
-              <a:t>2015/4/24</a:t>
+              <a:t>2015/5/1</a:t>
             </a:fld>
             <a:endParaRPr lang="zh-CN" altLang="en-US"/>
           </a:p>
@@ -1836,7 +1838,7 @@
           <a:p>
             <a:fld id="{2E16BDF8-367C-4173-B9D0-F9C4F11D43DD}" type="datetimeFigureOut">
               <a:rPr lang="zh-CN" altLang="en-US" smtClean="0"/>
-              <a:t>2015/4/24</a:t>
+              <a:t>2015/5/1</a:t>
             </a:fld>
             <a:endParaRPr lang="zh-CN" altLang="en-US"/>
           </a:p>
@@ -2113,7 +2115,7 @@
           <a:p>
             <a:fld id="{2E16BDF8-367C-4173-B9D0-F9C4F11D43DD}" type="datetimeFigureOut">
               <a:rPr lang="zh-CN" altLang="en-US" smtClean="0"/>
-              <a:t>2015/4/24</a:t>
+              <a:t>2015/5/1</a:t>
             </a:fld>
             <a:endParaRPr lang="zh-CN" altLang="en-US"/>
           </a:p>
@@ -2366,7 +2368,7 @@
           <a:p>
             <a:fld id="{2E16BDF8-367C-4173-B9D0-F9C4F11D43DD}" type="datetimeFigureOut">
               <a:rPr lang="zh-CN" altLang="en-US" smtClean="0"/>
-              <a:t>2015/4/24</a:t>
+              <a:t>2015/5/1</a:t>
             </a:fld>
             <a:endParaRPr lang="zh-CN" altLang="en-US"/>
           </a:p>
@@ -2579,7 +2581,7 @@
           <a:p>
             <a:fld id="{2E16BDF8-367C-4173-B9D0-F9C4F11D43DD}" type="datetimeFigureOut">
               <a:rPr lang="zh-CN" altLang="en-US" smtClean="0"/>
-              <a:t>2015/4/24</a:t>
+              <a:t>2015/5/1</a:t>
             </a:fld>
             <a:endParaRPr lang="zh-CN" altLang="en-US"/>
           </a:p>
@@ -4897,6 +4899,43 @@
 </p:sld>
 </file>
 
+<file path=ppt/slides/slide3.xml><?xml version="1.0" encoding="utf-8"?>
+<p:sld xmlns:a="http://schemas.openxmlformats.org/drawingml/2006/main" xmlns:r="http://schemas.openxmlformats.org/officeDocument/2006/relationships" xmlns:p="http://schemas.openxmlformats.org/presentationml/2006/main">
+  <p:cSld>
+    <p:spTree>
+      <p:nvGrpSpPr>
+        <p:cNvPr id="1" name=""/>
+        <p:cNvGrpSpPr/>
+        <p:nvPr/>
+      </p:nvGrpSpPr>
+      <p:grpSpPr>
+        <a:xfrm>
+          <a:off x="0" y="0"/>
+          <a:ext cx="0" cy="0"/>
+          <a:chOff x="0" y="0"/>
+          <a:chExt cx="0" cy="0"/>
+        </a:xfrm>
+      </p:grpSpPr>
+    </p:spTree>
+    <p:extLst>
+      <p:ext uri="{BB962C8B-B14F-4D97-AF65-F5344CB8AC3E}">
+        <p14:creationId xmlns:p14="http://schemas.microsoft.com/office/powerpoint/2010/main" val="1141781721"/>
+      </p:ext>
+    </p:extLst>
+  </p:cSld>
+  <p:clrMapOvr>
+    <a:masterClrMapping/>
+  </p:clrMapOvr>
+  <p:timing>
+    <p:tnLst>
+      <p:par>
+        <p:cTn id="1" dur="indefinite" restart="never" nodeType="tmRoot"/>
+      </p:par>
+    </p:tnLst>
+  </p:timing>
+</p:sld>
+</file>
+
 <file path=ppt/theme/theme1.xml><?xml version="1.0" encoding="utf-8"?>
 <a:theme xmlns:a="http://schemas.openxmlformats.org/drawingml/2006/main" name="Office 主题">
   <a:themeElements>
@@ -5160,17 +5199,31 @@
 
 <file path=customXml/item1.xml><?xml version="1.0" encoding="utf-8"?>
 <Control xmlns="http://schemas.microsoft.com/VisualStudio/2011/storyboarding/control">
-  <Id Name="System.Storyboarding.WindowsAppIcons.Plus" Revision="1" Stencil="System.Storyboarding.WindowsAppIcons" StencilVersion="0.1"/>
+  <Id Name="32035d07-bc66-4a79-8001-2507012193e3" RevisionId="7f6cc906-8fab-4878-8f41-90bcdc4e860e" Stencil="172d6d98-e5c9-42e9-a209-79f7a94bbd38" StencilRevisionId="00000000-0000-0000-0000-000000000000" StencilVersion="0.0"/>
 </Control>
 </file>
 
 <file path=customXml/item2.xml><?xml version="1.0" encoding="utf-8"?>
 <Control xmlns="http://schemas.microsoft.com/VisualStudio/2011/storyboarding/control">
-  <Id Name="32035d07-bc66-4a79-8001-2507012193e3" RevisionId="7f6cc906-8fab-4878-8f41-90bcdc4e860e" Stencil="172d6d98-e5c9-42e9-a209-79f7a94bbd38" StencilRevisionId="00000000-0000-0000-0000-000000000000" StencilVersion="0.0"/>
+  <Id Name="System.Storyboarding.WindowsAppIcons.Plus" Revision="1" Stencil="System.Storyboarding.WindowsAppIcons" StencilVersion="0.1"/>
+</Control>
+</file>
+
+<file path=customXml/item3.xml><?xml version="1.0" encoding="utf-8"?>
+<Control xmlns="http://schemas.microsoft.com/VisualStudio/2011/storyboarding/control">
+  <Id Name="39bcd2a1-2b5a-40d8-9f6e-91eb397e7c4c" Revision="1" Stencil="3f5b40b8-7c57-4b45-8d0f-99568f08efe8" StencilVersion="1.0"/>
 </Control>
 </file>
 
 <file path=customXml/itemProps1.xml><?xml version="1.0" encoding="utf-8"?>
+<ds:datastoreItem xmlns:ds="http://schemas.openxmlformats.org/officeDocument/2006/customXml" ds:itemID="{0FF9D2DC-C805-45C9-A16C-5460C0855EEF}">
+  <ds:schemaRefs>
+    <ds:schemaRef ds:uri="http://schemas.microsoft.com/VisualStudio/2011/storyboarding/control"/>
+  </ds:schemaRefs>
+</ds:datastoreItem>
+</file>
+
+<file path=customXml/itemProps2.xml><?xml version="1.0" encoding="utf-8"?>
 <ds:datastoreItem xmlns:ds="http://schemas.openxmlformats.org/officeDocument/2006/customXml" ds:itemID="{A782317B-B60A-446E-BB81-02A60B14662B}">
   <ds:schemaRefs>
     <ds:schemaRef ds:uri="http://schemas.microsoft.com/VisualStudio/2011/storyboarding/control"/>
@@ -5178,8 +5231,8 @@
 </ds:datastoreItem>
 </file>
 
-<file path=customXml/itemProps2.xml><?xml version="1.0" encoding="utf-8"?>
-<ds:datastoreItem xmlns:ds="http://schemas.openxmlformats.org/officeDocument/2006/customXml" ds:itemID="{0FF9D2DC-C805-45C9-A16C-5460C0855EEF}">
+<file path=customXml/itemProps3.xml><?xml version="1.0" encoding="utf-8"?>
+<ds:datastoreItem xmlns:ds="http://schemas.openxmlformats.org/officeDocument/2006/customXml" ds:itemID="{62680483-A465-4395-B711-CC05F36230B4}">
   <ds:schemaRefs>
     <ds:schemaRef ds:uri="http://schemas.microsoft.com/VisualStudio/2011/storyboarding/control"/>
   </ds:schemaRefs>
